--- a/Final_Project_Jupyter/5-min Slides.pptx
+++ b/Final_Project_Jupyter/5-min Slides.pptx
@@ -1,9 +1,12 @@
 
 <file path=ppt/presentation.xml><?xml version="1.0" encoding="utf-8"?>
-<p:presentation xmlns:a="http://schemas.openxmlformats.org/drawingml/2006/main" xmlns:r="http://schemas.openxmlformats.org/officeDocument/2006/relationships" xmlns:p="http://schemas.openxmlformats.org/presentationml/2006/main" saveSubsetFonts="1">
+<p:presentation xmlns:a="http://schemas.openxmlformats.org/drawingml/2006/main" xmlns:r="http://schemas.openxmlformats.org/officeDocument/2006/relationships" xmlns:p="http://schemas.openxmlformats.org/presentationml/2006/main" showSpecialPlsOnTitleSld="0" saveSubsetFonts="1">
   <p:sldMasterIdLst>
     <p:sldMasterId id="2147483648" r:id="rId1"/>
   </p:sldMasterIdLst>
+  <p:notesMasterIdLst>
+    <p:notesMasterId r:id="rId10"/>
+  </p:notesMasterIdLst>
   <p:sldIdLst>
     <p:sldId id="256" r:id="rId2"/>
     <p:sldId id="260" r:id="rId3"/>
@@ -12,7 +15,7 @@
     <p:sldId id="259" r:id="rId6"/>
     <p:sldId id="265" r:id="rId7"/>
     <p:sldId id="266" r:id="rId8"/>
-    <p:sldId id="263" r:id="rId9"/>
+    <p:sldId id="267" r:id="rId9"/>
   </p:sldIdLst>
   <p:sldSz cx="12192000" cy="6858000"/>
   <p:notesSz cx="6858000" cy="9144000"/>
@@ -119,6 +122,355 @@
 </p:presentation>
 </file>
 
+<file path=ppt/notesMasters/notesMaster1.xml><?xml version="1.0" encoding="utf-8"?>
+<p:notesMaster xmlns:a="http://schemas.openxmlformats.org/drawingml/2006/main" xmlns:r="http://schemas.openxmlformats.org/officeDocument/2006/relationships" xmlns:p="http://schemas.openxmlformats.org/presentationml/2006/main">
+  <p:cSld>
+    <p:bg>
+      <p:bgRef idx="1001">
+        <a:schemeClr val="bg1"/>
+      </p:bgRef>
+    </p:bg>
+    <p:spTree>
+      <p:nvGrpSpPr>
+        <p:cNvPr id="1" name=""/>
+        <p:cNvGrpSpPr/>
+        <p:nvPr/>
+      </p:nvGrpSpPr>
+      <p:grpSpPr>
+        <a:xfrm>
+          <a:off x="0" y="0"/>
+          <a:ext cx="0" cy="0"/>
+          <a:chOff x="0" y="0"/>
+          <a:chExt cx="0" cy="0"/>
+        </a:xfrm>
+      </p:grpSpPr>
+      <p:sp>
+        <p:nvSpPr>
+          <p:cNvPr id="2" name="Header Placeholder 1"/>
+          <p:cNvSpPr>
+            <a:spLocks noGrp="1"/>
+          </p:cNvSpPr>
+          <p:nvPr>
+            <p:ph type="hdr" sz="quarter"/>
+          </p:nvPr>
+        </p:nvSpPr>
+        <p:spPr>
+          <a:xfrm>
+            <a:off x="0" y="0"/>
+            <a:ext cx="2971800" cy="458788"/>
+          </a:xfrm>
+          <a:prstGeom prst="rect">
+            <a:avLst/>
+          </a:prstGeom>
+        </p:spPr>
+        <p:txBody>
+          <a:bodyPr vert="horz" lIns="91440" tIns="45720" rIns="91440" bIns="45720" rtlCol="0"/>
+          <a:lstStyle>
+            <a:lvl1pPr algn="l">
+              <a:defRPr sz="1200"/>
+            </a:lvl1pPr>
+          </a:lstStyle>
+          <a:p>
+            <a:endParaRPr lang="en-US"/>
+          </a:p>
+        </p:txBody>
+      </p:sp>
+      <p:sp>
+        <p:nvSpPr>
+          <p:cNvPr id="3" name="Date Placeholder 2"/>
+          <p:cNvSpPr>
+            <a:spLocks noGrp="1"/>
+          </p:cNvSpPr>
+          <p:nvPr>
+            <p:ph type="dt" idx="1"/>
+          </p:nvPr>
+        </p:nvSpPr>
+        <p:spPr>
+          <a:xfrm>
+            <a:off x="3884613" y="0"/>
+            <a:ext cx="2971800" cy="458788"/>
+          </a:xfrm>
+          <a:prstGeom prst="rect">
+            <a:avLst/>
+          </a:prstGeom>
+        </p:spPr>
+        <p:txBody>
+          <a:bodyPr vert="horz" lIns="91440" tIns="45720" rIns="91440" bIns="45720" rtlCol="0"/>
+          <a:lstStyle>
+            <a:lvl1pPr algn="r">
+              <a:defRPr sz="1200"/>
+            </a:lvl1pPr>
+          </a:lstStyle>
+          <a:p>
+            <a:fld id="{D734E050-08D4-4AF2-BD09-C5CA11F2AD65}" type="datetimeFigureOut">
+              <a:rPr lang="en-US" smtClean="0"/>
+              <a:t>5/2/2018</a:t>
+            </a:fld>
+            <a:endParaRPr lang="en-US"/>
+          </a:p>
+        </p:txBody>
+      </p:sp>
+      <p:sp>
+        <p:nvSpPr>
+          <p:cNvPr id="4" name="Slide Image Placeholder 3"/>
+          <p:cNvSpPr>
+            <a:spLocks noGrp="1" noRot="1" noChangeAspect="1"/>
+          </p:cNvSpPr>
+          <p:nvPr>
+            <p:ph type="sldImg" idx="2"/>
+          </p:nvPr>
+        </p:nvSpPr>
+        <p:spPr>
+          <a:xfrm>
+            <a:off x="685800" y="1143000"/>
+            <a:ext cx="5486400" cy="3086100"/>
+          </a:xfrm>
+          <a:prstGeom prst="rect">
+            <a:avLst/>
+          </a:prstGeom>
+          <a:noFill/>
+          <a:ln w="12700">
+            <a:solidFill>
+              <a:prstClr val="black"/>
+            </a:solidFill>
+          </a:ln>
+        </p:spPr>
+        <p:txBody>
+          <a:bodyPr vert="horz" lIns="91440" tIns="45720" rIns="91440" bIns="45720" rtlCol="0" anchor="ctr"/>
+          <a:lstStyle/>
+          <a:p>
+            <a:endParaRPr lang="en-US"/>
+          </a:p>
+        </p:txBody>
+      </p:sp>
+      <p:sp>
+        <p:nvSpPr>
+          <p:cNvPr id="5" name="Notes Placeholder 4"/>
+          <p:cNvSpPr>
+            <a:spLocks noGrp="1"/>
+          </p:cNvSpPr>
+          <p:nvPr>
+            <p:ph type="body" sz="quarter" idx="3"/>
+          </p:nvPr>
+        </p:nvSpPr>
+        <p:spPr>
+          <a:xfrm>
+            <a:off x="685800" y="4400550"/>
+            <a:ext cx="5486400" cy="3600450"/>
+          </a:xfrm>
+          <a:prstGeom prst="rect">
+            <a:avLst/>
+          </a:prstGeom>
+        </p:spPr>
+        <p:txBody>
+          <a:bodyPr vert="horz" lIns="91440" tIns="45720" rIns="91440" bIns="45720" rtlCol="0"/>
+          <a:lstStyle/>
+          <a:p>
+            <a:pPr lvl="0"/>
+            <a:r>
+              <a:rPr lang="en-US"/>
+              <a:t>Edit Master text styles</a:t>
+            </a:r>
+          </a:p>
+          <a:p>
+            <a:pPr lvl="1"/>
+            <a:r>
+              <a:rPr lang="en-US"/>
+              <a:t>Second level</a:t>
+            </a:r>
+          </a:p>
+          <a:p>
+            <a:pPr lvl="2"/>
+            <a:r>
+              <a:rPr lang="en-US"/>
+              <a:t>Third level</a:t>
+            </a:r>
+          </a:p>
+          <a:p>
+            <a:pPr lvl="3"/>
+            <a:r>
+              <a:rPr lang="en-US"/>
+              <a:t>Fourth level</a:t>
+            </a:r>
+          </a:p>
+          <a:p>
+            <a:pPr lvl="4"/>
+            <a:r>
+              <a:rPr lang="en-US"/>
+              <a:t>Fifth level</a:t>
+            </a:r>
+          </a:p>
+        </p:txBody>
+      </p:sp>
+      <p:sp>
+        <p:nvSpPr>
+          <p:cNvPr id="6" name="Footer Placeholder 5"/>
+          <p:cNvSpPr>
+            <a:spLocks noGrp="1"/>
+          </p:cNvSpPr>
+          <p:nvPr>
+            <p:ph type="ftr" sz="quarter" idx="4"/>
+          </p:nvPr>
+        </p:nvSpPr>
+        <p:spPr>
+          <a:xfrm>
+            <a:off x="0" y="8685213"/>
+            <a:ext cx="2971800" cy="458787"/>
+          </a:xfrm>
+          <a:prstGeom prst="rect">
+            <a:avLst/>
+          </a:prstGeom>
+        </p:spPr>
+        <p:txBody>
+          <a:bodyPr vert="horz" lIns="91440" tIns="45720" rIns="91440" bIns="45720" rtlCol="0" anchor="b"/>
+          <a:lstStyle>
+            <a:lvl1pPr algn="l">
+              <a:defRPr sz="1200"/>
+            </a:lvl1pPr>
+          </a:lstStyle>
+          <a:p>
+            <a:endParaRPr lang="en-US"/>
+          </a:p>
+        </p:txBody>
+      </p:sp>
+      <p:sp>
+        <p:nvSpPr>
+          <p:cNvPr id="7" name="Slide Number Placeholder 6"/>
+          <p:cNvSpPr>
+            <a:spLocks noGrp="1"/>
+          </p:cNvSpPr>
+          <p:nvPr>
+            <p:ph type="sldNum" sz="quarter" idx="5"/>
+          </p:nvPr>
+        </p:nvSpPr>
+        <p:spPr>
+          <a:xfrm>
+            <a:off x="3884613" y="8685213"/>
+            <a:ext cx="2971800" cy="458787"/>
+          </a:xfrm>
+          <a:prstGeom prst="rect">
+            <a:avLst/>
+          </a:prstGeom>
+        </p:spPr>
+        <p:txBody>
+          <a:bodyPr vert="horz" lIns="91440" tIns="45720" rIns="91440" bIns="45720" rtlCol="0" anchor="b"/>
+          <a:lstStyle>
+            <a:lvl1pPr algn="r">
+              <a:defRPr sz="1200"/>
+            </a:lvl1pPr>
+          </a:lstStyle>
+          <a:p>
+            <a:fld id="{9F665423-A608-41F1-946F-BD4E12518232}" type="slidenum">
+              <a:rPr lang="en-US" smtClean="0"/>
+              <a:t>‹#›</a:t>
+            </a:fld>
+            <a:endParaRPr lang="en-US"/>
+          </a:p>
+        </p:txBody>
+      </p:sp>
+    </p:spTree>
+    <p:extLst>
+      <p:ext uri="{BB962C8B-B14F-4D97-AF65-F5344CB8AC3E}">
+        <p14:creationId xmlns:p14="http://schemas.microsoft.com/office/powerpoint/2010/main" val="2833388948"/>
+      </p:ext>
+    </p:extLst>
+  </p:cSld>
+  <p:clrMap bg1="lt1" tx1="dk1" bg2="lt2" tx2="dk2" accent1="accent1" accent2="accent2" accent3="accent3" accent4="accent4" accent5="accent5" accent6="accent6" hlink="hlink" folHlink="folHlink"/>
+  <p:notesStyle>
+    <a:lvl1pPr marL="0" algn="l" defTabSz="914400" rtl="0" eaLnBrk="1" latinLnBrk="0" hangingPunct="1">
+      <a:defRPr sz="1200" kern="1200">
+        <a:solidFill>
+          <a:schemeClr val="tx1"/>
+        </a:solidFill>
+        <a:latin typeface="+mn-lt"/>
+        <a:ea typeface="+mn-ea"/>
+        <a:cs typeface="+mn-cs"/>
+      </a:defRPr>
+    </a:lvl1pPr>
+    <a:lvl2pPr marL="457200" algn="l" defTabSz="914400" rtl="0" eaLnBrk="1" latinLnBrk="0" hangingPunct="1">
+      <a:defRPr sz="1200" kern="1200">
+        <a:solidFill>
+          <a:schemeClr val="tx1"/>
+        </a:solidFill>
+        <a:latin typeface="+mn-lt"/>
+        <a:ea typeface="+mn-ea"/>
+        <a:cs typeface="+mn-cs"/>
+      </a:defRPr>
+    </a:lvl2pPr>
+    <a:lvl3pPr marL="914400" algn="l" defTabSz="914400" rtl="0" eaLnBrk="1" latinLnBrk="0" hangingPunct="1">
+      <a:defRPr sz="1200" kern="1200">
+        <a:solidFill>
+          <a:schemeClr val="tx1"/>
+        </a:solidFill>
+        <a:latin typeface="+mn-lt"/>
+        <a:ea typeface="+mn-ea"/>
+        <a:cs typeface="+mn-cs"/>
+      </a:defRPr>
+    </a:lvl3pPr>
+    <a:lvl4pPr marL="1371600" algn="l" defTabSz="914400" rtl="0" eaLnBrk="1" latinLnBrk="0" hangingPunct="1">
+      <a:defRPr sz="1200" kern="1200">
+        <a:solidFill>
+          <a:schemeClr val="tx1"/>
+        </a:solidFill>
+        <a:latin typeface="+mn-lt"/>
+        <a:ea typeface="+mn-ea"/>
+        <a:cs typeface="+mn-cs"/>
+      </a:defRPr>
+    </a:lvl4pPr>
+    <a:lvl5pPr marL="1828800" algn="l" defTabSz="914400" rtl="0" eaLnBrk="1" latinLnBrk="0" hangingPunct="1">
+      <a:defRPr sz="1200" kern="1200">
+        <a:solidFill>
+          <a:schemeClr val="tx1"/>
+        </a:solidFill>
+        <a:latin typeface="+mn-lt"/>
+        <a:ea typeface="+mn-ea"/>
+        <a:cs typeface="+mn-cs"/>
+      </a:defRPr>
+    </a:lvl5pPr>
+    <a:lvl6pPr marL="2286000" algn="l" defTabSz="914400" rtl="0" eaLnBrk="1" latinLnBrk="0" hangingPunct="1">
+      <a:defRPr sz="1200" kern="1200">
+        <a:solidFill>
+          <a:schemeClr val="tx1"/>
+        </a:solidFill>
+        <a:latin typeface="+mn-lt"/>
+        <a:ea typeface="+mn-ea"/>
+        <a:cs typeface="+mn-cs"/>
+      </a:defRPr>
+    </a:lvl6pPr>
+    <a:lvl7pPr marL="2743200" algn="l" defTabSz="914400" rtl="0" eaLnBrk="1" latinLnBrk="0" hangingPunct="1">
+      <a:defRPr sz="1200" kern="1200">
+        <a:solidFill>
+          <a:schemeClr val="tx1"/>
+        </a:solidFill>
+        <a:latin typeface="+mn-lt"/>
+        <a:ea typeface="+mn-ea"/>
+        <a:cs typeface="+mn-cs"/>
+      </a:defRPr>
+    </a:lvl7pPr>
+    <a:lvl8pPr marL="3200400" algn="l" defTabSz="914400" rtl="0" eaLnBrk="1" latinLnBrk="0" hangingPunct="1">
+      <a:defRPr sz="1200" kern="1200">
+        <a:solidFill>
+          <a:schemeClr val="tx1"/>
+        </a:solidFill>
+        <a:latin typeface="+mn-lt"/>
+        <a:ea typeface="+mn-ea"/>
+        <a:cs typeface="+mn-cs"/>
+      </a:defRPr>
+    </a:lvl8pPr>
+    <a:lvl9pPr marL="3657600" algn="l" defTabSz="914400" rtl="0" eaLnBrk="1" latinLnBrk="0" hangingPunct="1">
+      <a:defRPr sz="1200" kern="1200">
+        <a:solidFill>
+          <a:schemeClr val="tx1"/>
+        </a:solidFill>
+        <a:latin typeface="+mn-lt"/>
+        <a:ea typeface="+mn-ea"/>
+        <a:cs typeface="+mn-cs"/>
+      </a:defRPr>
+    </a:lvl9pPr>
+  </p:notesStyle>
+</p:notesMaster>
+</file>
+
 <file path=ppt/slideLayouts/slideLayout1.xml><?xml version="1.0" encoding="utf-8"?>
 <p:sldLayout xmlns:a="http://schemas.openxmlformats.org/drawingml/2006/main" xmlns:r="http://schemas.openxmlformats.org/officeDocument/2006/relationships" xmlns:p="http://schemas.openxmlformats.org/presentationml/2006/main" type="title" preserve="1">
   <p:cSld name="Title Slide">
@@ -264,7 +616,7 @@
           <a:bodyPr/>
           <a:lstStyle/>
           <a:p>
-            <a:fld id="{3B102F76-CC72-4698-83E2-664BBA76B21A}" type="datetimeFigureOut">
+            <a:fld id="{1EFAE40D-CC16-45DE-8F17-730BA2C5B91F}" type="datetime1">
               <a:rPr lang="en-US" smtClean="0"/>
               <a:t>5/2/2018</a:t>
             </a:fld>
@@ -462,7 +814,7 @@
           <a:bodyPr/>
           <a:lstStyle/>
           <a:p>
-            <a:fld id="{3B102F76-CC72-4698-83E2-664BBA76B21A}" type="datetimeFigureOut">
+            <a:fld id="{80373006-19C0-40AB-A8F6-49F18451B5AC}" type="datetime1">
               <a:rPr lang="en-US" smtClean="0"/>
               <a:t>5/2/2018</a:t>
             </a:fld>
@@ -670,7 +1022,7 @@
           <a:bodyPr/>
           <a:lstStyle/>
           <a:p>
-            <a:fld id="{3B102F76-CC72-4698-83E2-664BBA76B21A}" type="datetimeFigureOut">
+            <a:fld id="{52266C67-5662-4E02-AE41-24D8FAFA458E}" type="datetime1">
               <a:rPr lang="en-US" smtClean="0"/>
               <a:t>5/2/2018</a:t>
             </a:fld>
@@ -868,7 +1220,7 @@
           <a:bodyPr/>
           <a:lstStyle/>
           <a:p>
-            <a:fld id="{3B102F76-CC72-4698-83E2-664BBA76B21A}" type="datetimeFigureOut">
+            <a:fld id="{1C614BFF-D751-4D23-96B9-CACB83461C52}" type="datetime1">
               <a:rPr lang="en-US" smtClean="0"/>
               <a:t>5/2/2018</a:t>
             </a:fld>
@@ -1143,7 +1495,7 @@
           <a:bodyPr/>
           <a:lstStyle/>
           <a:p>
-            <a:fld id="{3B102F76-CC72-4698-83E2-664BBA76B21A}" type="datetimeFigureOut">
+            <a:fld id="{B60E25A5-F3A3-4F1F-B27F-92A1470B3A44}" type="datetime1">
               <a:rPr lang="en-US" smtClean="0"/>
               <a:t>5/2/2018</a:t>
             </a:fld>
@@ -1408,7 +1760,7 @@
           <a:bodyPr/>
           <a:lstStyle/>
           <a:p>
-            <a:fld id="{3B102F76-CC72-4698-83E2-664BBA76B21A}" type="datetimeFigureOut">
+            <a:fld id="{E3FFADCD-7120-4F7E-AEA8-4959CD8F1BF0}" type="datetime1">
               <a:rPr lang="en-US" smtClean="0"/>
               <a:t>5/2/2018</a:t>
             </a:fld>
@@ -1820,7 +2172,7 @@
           <a:bodyPr/>
           <a:lstStyle/>
           <a:p>
-            <a:fld id="{3B102F76-CC72-4698-83E2-664BBA76B21A}" type="datetimeFigureOut">
+            <a:fld id="{BE9B63F9-4F30-44D0-AF3C-51EA07B8C093}" type="datetime1">
               <a:rPr lang="en-US" smtClean="0"/>
               <a:t>5/2/2018</a:t>
             </a:fld>
@@ -1961,7 +2313,7 @@
           <a:bodyPr/>
           <a:lstStyle/>
           <a:p>
-            <a:fld id="{3B102F76-CC72-4698-83E2-664BBA76B21A}" type="datetimeFigureOut">
+            <a:fld id="{DA0D2D25-3726-495A-8A88-4C3622F5F750}" type="datetime1">
               <a:rPr lang="en-US" smtClean="0"/>
               <a:t>5/2/2018</a:t>
             </a:fld>
@@ -2074,7 +2426,7 @@
           <a:bodyPr/>
           <a:lstStyle/>
           <a:p>
-            <a:fld id="{3B102F76-CC72-4698-83E2-664BBA76B21A}" type="datetimeFigureOut">
+            <a:fld id="{395DFD89-45FA-4A60-A65C-D60266A5F1BE}" type="datetime1">
               <a:rPr lang="en-US" smtClean="0"/>
               <a:t>5/2/2018</a:t>
             </a:fld>
@@ -2385,7 +2737,7 @@
           <a:bodyPr/>
           <a:lstStyle/>
           <a:p>
-            <a:fld id="{3B102F76-CC72-4698-83E2-664BBA76B21A}" type="datetimeFigureOut">
+            <a:fld id="{E027E96B-94D8-4866-B0AD-6D9E2D6DC27F}" type="datetime1">
               <a:rPr lang="en-US" smtClean="0"/>
               <a:t>5/2/2018</a:t>
             </a:fld>
@@ -2673,7 +3025,7 @@
           <a:bodyPr/>
           <a:lstStyle/>
           <a:p>
-            <a:fld id="{3B102F76-CC72-4698-83E2-664BBA76B21A}" type="datetimeFigureOut">
+            <a:fld id="{CAEEC95D-0794-4682-A422-BA5589FBF5F9}" type="datetime1">
               <a:rPr lang="en-US" smtClean="0"/>
               <a:t>5/2/2018</a:t>
             </a:fld>
@@ -2914,7 +3266,7 @@
             </a:lvl1pPr>
           </a:lstStyle>
           <a:p>
-            <a:fld id="{3B102F76-CC72-4698-83E2-664BBA76B21A}" type="datetimeFigureOut">
+            <a:fld id="{5CA1761F-E11B-41FE-807E-C555EC0FF5B4}" type="datetime1">
               <a:rPr lang="en-US" smtClean="0"/>
               <a:t>5/2/2018</a:t>
             </a:fld>
@@ -3033,6 +3385,7 @@
     <p:sldLayoutId id="2147483658" r:id="rId10"/>
     <p:sldLayoutId id="2147483659" r:id="rId11"/>
   </p:sldLayoutIdLst>
+  <p:hf hdr="0" ftr="0" dt="0"/>
   <p:txStyles>
     <p:titleStyle>
       <a:lvl1pPr algn="l" defTabSz="914400" rtl="0" eaLnBrk="1" latinLnBrk="0" hangingPunct="1">
@@ -4305,7 +4658,7 @@
                   <a:srgbClr val="FFFFFF"/>
                 </a:solidFill>
               </a:rPr>
-              <a:t> Communicate with people who have different backgrounds</a:t>
+              <a:t> Communicate with people who have different backgrounds (see slide #8)</a:t>
             </a:r>
           </a:p>
           <a:p>
@@ -4321,6 +4674,35 @@
                 <a:srgbClr val="FFFFFF"/>
               </a:solidFill>
             </a:endParaRPr>
+          </a:p>
+        </p:txBody>
+      </p:sp>
+      <p:sp>
+        <p:nvSpPr>
+          <p:cNvPr id="2" name="Slide Number Placeholder 1">
+            <a:extLst>
+              <a:ext uri="{FF2B5EF4-FFF2-40B4-BE49-F238E27FC236}">
+                <a16:creationId xmlns:a16="http://schemas.microsoft.com/office/drawing/2014/main" id="{00444C1B-5DE9-4977-9E2A-297FD08295FD}"/>
+              </a:ext>
+            </a:extLst>
+          </p:cNvPr>
+          <p:cNvSpPr>
+            <a:spLocks noGrp="1"/>
+          </p:cNvSpPr>
+          <p:nvPr>
+            <p:ph type="sldNum" sz="quarter" idx="12"/>
+          </p:nvPr>
+        </p:nvSpPr>
+        <p:spPr/>
+        <p:txBody>
+          <a:bodyPr/>
+          <a:lstStyle/>
+          <a:p>
+            <a:fld id="{7BD55884-F127-43C1-81EF-373BE9C65948}" type="slidenum">
+              <a:rPr lang="en-US" smtClean="0"/>
+              <a:t>2</a:t>
+            </a:fld>
+            <a:endParaRPr lang="en-US"/>
           </a:p>
         </p:txBody>
       </p:sp>
@@ -4435,7 +4817,7 @@
           <p:nvPr>
             <p:extLst>
               <p:ext uri="{D42A27DB-BD31-4B8C-83A1-F6EECF244321}">
-                <p14:modId xmlns:p14="http://schemas.microsoft.com/office/powerpoint/2010/main" val="819297695"/>
+                <p14:modId xmlns:p14="http://schemas.microsoft.com/office/powerpoint/2010/main" val="1877213052"/>
               </p:ext>
             </p:extLst>
           </p:nvPr>
@@ -4634,7 +5016,7 @@
                       </a:r>
                       <a:r>
                         <a:rPr lang="en-US" sz="1400" dirty="0"/>
-                        <a:t>(open source software design by Facebook)</a:t>
+                        <a:t>(open source software designed by Facebook)</a:t>
                       </a:r>
                     </a:p>
                     <a:p>
@@ -4752,6 +5134,35 @@
           </a:p>
         </p:txBody>
       </p:sp>
+      <p:sp>
+        <p:nvSpPr>
+          <p:cNvPr id="3" name="Slide Number Placeholder 2">
+            <a:extLst>
+              <a:ext uri="{FF2B5EF4-FFF2-40B4-BE49-F238E27FC236}">
+                <a16:creationId xmlns:a16="http://schemas.microsoft.com/office/drawing/2014/main" id="{D6100065-31D9-45F3-BFFE-EDB980A3B531}"/>
+              </a:ext>
+            </a:extLst>
+          </p:cNvPr>
+          <p:cNvSpPr>
+            <a:spLocks noGrp="1"/>
+          </p:cNvSpPr>
+          <p:nvPr>
+            <p:ph type="sldNum" sz="quarter" idx="12"/>
+          </p:nvPr>
+        </p:nvSpPr>
+        <p:spPr/>
+        <p:txBody>
+          <a:bodyPr/>
+          <a:lstStyle/>
+          <a:p>
+            <a:fld id="{7BD55884-F127-43C1-81EF-373BE9C65948}" type="slidenum">
+              <a:rPr lang="en-US" smtClean="0"/>
+              <a:t>3</a:t>
+            </a:fld>
+            <a:endParaRPr lang="en-US"/>
+          </a:p>
+        </p:txBody>
+      </p:sp>
     </p:spTree>
     <p:extLst>
       <p:ext uri="{BB962C8B-B14F-4D97-AF65-F5344CB8AC3E}">
@@ -5466,6 +5877,35 @@
           </a:p>
         </p:txBody>
       </p:sp>
+      <p:sp>
+        <p:nvSpPr>
+          <p:cNvPr id="2" name="Slide Number Placeholder 1">
+            <a:extLst>
+              <a:ext uri="{FF2B5EF4-FFF2-40B4-BE49-F238E27FC236}">
+                <a16:creationId xmlns:a16="http://schemas.microsoft.com/office/drawing/2014/main" id="{4B6D1F72-3858-4C16-A371-7A535FBFCDE5}"/>
+              </a:ext>
+            </a:extLst>
+          </p:cNvPr>
+          <p:cNvSpPr>
+            <a:spLocks noGrp="1"/>
+          </p:cNvSpPr>
+          <p:nvPr>
+            <p:ph type="sldNum" sz="quarter" idx="12"/>
+          </p:nvPr>
+        </p:nvSpPr>
+        <p:spPr/>
+        <p:txBody>
+          <a:bodyPr/>
+          <a:lstStyle/>
+          <a:p>
+            <a:fld id="{7BD55884-F127-43C1-81EF-373BE9C65948}" type="slidenum">
+              <a:rPr lang="en-US" smtClean="0"/>
+              <a:t>4</a:t>
+            </a:fld>
+            <a:endParaRPr lang="en-US"/>
+          </a:p>
+        </p:txBody>
+      </p:sp>
     </p:spTree>
     <p:extLst>
       <p:ext uri="{BB962C8B-B14F-4D97-AF65-F5344CB8AC3E}">
@@ -6446,6 +6886,35 @@
               <a:t>J’s Finance Explorer </a:t>
             </a:r>
             <a:endParaRPr lang="en-US" dirty="0"/>
+          </a:p>
+        </p:txBody>
+      </p:sp>
+      <p:sp>
+        <p:nvSpPr>
+          <p:cNvPr id="3" name="Slide Number Placeholder 2">
+            <a:extLst>
+              <a:ext uri="{FF2B5EF4-FFF2-40B4-BE49-F238E27FC236}">
+                <a16:creationId xmlns:a16="http://schemas.microsoft.com/office/drawing/2014/main" id="{995CAA4A-CFF1-409D-AE24-90F3F9D171BA}"/>
+              </a:ext>
+            </a:extLst>
+          </p:cNvPr>
+          <p:cNvSpPr>
+            <a:spLocks noGrp="1"/>
+          </p:cNvSpPr>
+          <p:nvPr>
+            <p:ph type="sldNum" sz="quarter" idx="12"/>
+          </p:nvPr>
+        </p:nvSpPr>
+        <p:spPr/>
+        <p:txBody>
+          <a:bodyPr/>
+          <a:lstStyle/>
+          <a:p>
+            <a:fld id="{7BD55884-F127-43C1-81EF-373BE9C65948}" type="slidenum">
+              <a:rPr lang="en-US" smtClean="0"/>
+              <a:t>5</a:t>
+            </a:fld>
+            <a:endParaRPr lang="en-US"/>
           </a:p>
         </p:txBody>
       </p:sp>
@@ -6950,8 +7419,8 @@
         </p:nvSpPr>
         <p:spPr>
           <a:xfrm>
-            <a:off x="4456055" y="2706729"/>
-            <a:ext cx="1563328" cy="1091379"/>
+            <a:off x="4475720" y="2647851"/>
+            <a:ext cx="1582993" cy="1212874"/>
           </a:xfrm>
           <a:prstGeom prst="roundRect">
             <a:avLst/>
@@ -6987,6 +7456,13 @@
             <a:r>
               <a:rPr lang="en-US" sz="2000" dirty="0"/>
               <a:t>Prophet: AM model</a:t>
+            </a:r>
+          </a:p>
+          <a:p>
+            <a:pPr algn="ctr"/>
+            <a:r>
+              <a:rPr lang="en-US" sz="2000" dirty="0"/>
+              <a:t>(stock.py)</a:t>
             </a:r>
           </a:p>
         </p:txBody>
@@ -7178,8 +7654,8 @@
         </p:nvCxnSpPr>
         <p:spPr>
           <a:xfrm>
-            <a:off x="4928421" y="1591284"/>
-            <a:ext cx="0" cy="979803"/>
+            <a:off x="4928421" y="1703221"/>
+            <a:ext cx="0" cy="922508"/>
           </a:xfrm>
           <a:prstGeom prst="straightConnector1">
             <a:avLst/>
@@ -7220,7 +7696,7 @@
         </p:nvSpPr>
         <p:spPr>
           <a:xfrm>
-            <a:off x="4202065" y="1012576"/>
+            <a:off x="4202065" y="1106221"/>
             <a:ext cx="1452712" cy="646331"/>
           </a:xfrm>
           <a:prstGeom prst="rect">
@@ -7263,7 +7739,7 @@
         </p:nvSpPr>
         <p:spPr>
           <a:xfrm>
-            <a:off x="4965857" y="1654036"/>
+            <a:off x="5017775" y="1674503"/>
             <a:ext cx="1452712" cy="646331"/>
           </a:xfrm>
           <a:prstGeom prst="rect">
@@ -7309,7 +7785,7 @@
         </p:nvCxnSpPr>
         <p:spPr>
           <a:xfrm>
-            <a:off x="5692213" y="2300367"/>
+            <a:off x="5744131" y="2320834"/>
             <a:ext cx="0" cy="311683"/>
           </a:xfrm>
           <a:prstGeom prst="straightConnector1">
@@ -7676,13 +8152,14 @@
           <p:cNvCxnSpPr>
             <a:cxnSpLocks/>
             <a:stCxn id="4" idx="3"/>
+            <a:endCxn id="30" idx="1"/>
           </p:cNvCxnSpPr>
           <p:nvPr/>
         </p:nvCxnSpPr>
         <p:spPr>
           <a:xfrm flipV="1">
-            <a:off x="6019383" y="3252418"/>
-            <a:ext cx="774705" cy="1"/>
+            <a:off x="6058713" y="3252417"/>
+            <a:ext cx="766501" cy="1871"/>
           </a:xfrm>
           <a:prstGeom prst="straightConnector1">
             <a:avLst/>
@@ -7814,7 +8291,7 @@
         <p:spPr>
           <a:xfrm>
             <a:off x="10338618" y="3021321"/>
-            <a:ext cx="1578076" cy="400110"/>
+            <a:ext cx="1578076" cy="707886"/>
           </a:xfrm>
           <a:prstGeom prst="rect">
             <a:avLst/>
@@ -7837,6 +8314,17 @@
               <a:t>Visualization</a:t>
             </a:r>
           </a:p>
+          <a:p>
+            <a:pPr algn="ctr"/>
+            <a:r>
+              <a:rPr lang="en-US" sz="2000" dirty="0">
+                <a:solidFill>
+                  <a:srgbClr val="92D050"/>
+                </a:solidFill>
+              </a:rPr>
+              <a:t>(app.py)</a:t>
+            </a:r>
+          </a:p>
         </p:txBody>
       </p:sp>
       <p:grpSp>
@@ -7854,9 +8342,9 @@
         <p:grpSpPr>
           <a:xfrm>
             <a:off x="1981198" y="5477585"/>
-            <a:ext cx="8585858" cy="898675"/>
+            <a:ext cx="8585858" cy="1050315"/>
             <a:chOff x="599771" y="5499194"/>
-            <a:chExt cx="8585858" cy="898675"/>
+            <a:chExt cx="8585858" cy="1050315"/>
           </a:xfrm>
         </p:grpSpPr>
         <p:sp>
@@ -7873,8 +8361,8 @@
           </p:nvSpPr>
           <p:spPr>
             <a:xfrm>
-              <a:off x="3503556" y="5751537"/>
-              <a:ext cx="1688691" cy="646331"/>
+              <a:off x="3503556" y="5626179"/>
+              <a:ext cx="1688691" cy="923330"/>
             </a:xfrm>
             <a:prstGeom prst="rect">
               <a:avLst/>
@@ -7898,6 +8386,13 @@
               <a:r>
                 <a:rPr lang="en-US" dirty="0"/>
                 <a:t>Outstanding</a:t>
+              </a:r>
+            </a:p>
+            <a:p>
+              <a:pPr algn="ctr"/>
+              <a:r>
+                <a:rPr lang="en-US" dirty="0"/>
+                <a:t>(finance.py)</a:t>
               </a:r>
             </a:p>
           </p:txBody>
@@ -7955,9 +8450,9 @@
             <p:nvPr/>
           </p:nvCxnSpPr>
           <p:spPr>
-            <a:xfrm flipV="1">
-              <a:off x="2139590" y="6074703"/>
-              <a:ext cx="1363966" cy="1"/>
+            <a:xfrm>
+              <a:off x="2139590" y="6074704"/>
+              <a:ext cx="1363966" cy="13140"/>
             </a:xfrm>
             <a:prstGeom prst="straightConnector1">
               <a:avLst/>
@@ -8070,8 +8565,8 @@
         </p:nvSpPr>
         <p:spPr>
           <a:xfrm>
-            <a:off x="677897" y="1337960"/>
-            <a:ext cx="1089175" cy="646331"/>
+            <a:off x="314361" y="1337960"/>
+            <a:ext cx="1452712" cy="923330"/>
           </a:xfrm>
           <a:prstGeom prst="rect">
             <a:avLst/>
@@ -8088,6 +8583,13 @@
             <a:r>
               <a:rPr lang="en-US" dirty="0"/>
               <a:t>Google Finance</a:t>
+            </a:r>
+          </a:p>
+          <a:p>
+            <a:pPr algn="ctr"/>
+            <a:r>
+              <a:rPr lang="en-US" dirty="0"/>
+              <a:t>(finannce.py)</a:t>
             </a:r>
           </a:p>
         </p:txBody>
@@ -8109,8 +8611,8 @@
         </p:nvCxnSpPr>
         <p:spPr>
           <a:xfrm>
-            <a:off x="1767072" y="1661126"/>
-            <a:ext cx="351485" cy="445576"/>
+            <a:off x="1767073" y="1799625"/>
+            <a:ext cx="351484" cy="307077"/>
           </a:xfrm>
           <a:prstGeom prst="straightConnector1">
             <a:avLst/>
@@ -8190,6 +8692,35 @@
                 <a:srgbClr val="C00000"/>
               </a:solidFill>
             </a:endParaRPr>
+          </a:p>
+        </p:txBody>
+      </p:sp>
+      <p:sp>
+        <p:nvSpPr>
+          <p:cNvPr id="21" name="Slide Number Placeholder 20">
+            <a:extLst>
+              <a:ext uri="{FF2B5EF4-FFF2-40B4-BE49-F238E27FC236}">
+                <a16:creationId xmlns:a16="http://schemas.microsoft.com/office/drawing/2014/main" id="{73DC1D09-AC96-46C6-9916-31EDA6948EC4}"/>
+              </a:ext>
+            </a:extLst>
+          </p:cNvPr>
+          <p:cNvSpPr>
+            <a:spLocks noGrp="1"/>
+          </p:cNvSpPr>
+          <p:nvPr>
+            <p:ph type="sldNum" sz="quarter" idx="12"/>
+          </p:nvPr>
+        </p:nvSpPr>
+        <p:spPr/>
+        <p:txBody>
+          <a:bodyPr/>
+          <a:lstStyle/>
+          <a:p>
+            <a:fld id="{7BD55884-F127-43C1-81EF-373BE9C65948}" type="slidenum">
+              <a:rPr lang="en-US" smtClean="0"/>
+              <a:t>6</a:t>
+            </a:fld>
+            <a:endParaRPr lang="en-US"/>
           </a:p>
         </p:txBody>
       </p:sp>
@@ -8284,7 +8815,7 @@
                   <a:srgbClr val="FFFFFF"/>
                 </a:solidFill>
               </a:rPr>
-              <a:t>J’s Finance Explorer – 3 Interesting Things You May Want to Know</a:t>
+              <a:t>J’s Finance Explorer – Interesting Things You May Want to Know</a:t>
             </a:r>
           </a:p>
         </p:txBody>
@@ -8325,11 +8856,11 @@
             </a:pPr>
             <a:r>
               <a:rPr lang="en-US" sz="2400" dirty="0"/>
-              <a:t>I was unable to access google finance data for a few hours tight after first data access. </a:t>
+              <a:t>I was once unable to access google finance data for a few hours right after first data access. </a:t>
             </a:r>
             <a:r>
               <a:rPr lang="en-US" dirty="0"/>
-              <a:t>Symptoms: requested 1576800 data entries [success] -&gt; requested again in 15s [failed] -&gt; request again [failed] -&gt; 24 hours later -&gt; requested 1000 data [success]</a:t>
+              <a:t>Symptoms: requested 1576800 data entries [success] -&gt; requested again in like 15s [failed] -&gt; requested again [failed] -&gt; 24 hours later -&gt; requested 1000 data [success]</a:t>
             </a:r>
           </a:p>
           <a:p>
@@ -8347,7 +8878,7 @@
             </a:pPr>
             <a:r>
               <a:rPr lang="en-US" sz="2400" dirty="0"/>
-              <a:t>The attribute “data-*” is dynamic in yahoo finance html file. The number (e.g. data-140, data-149) assigned to “Shares Outstanding” changes when the page is reloaded</a:t>
+              <a:t>The attribute “data-*” is dynamic in yahoo finance html file. The number (e.g. data-140, data-149) assigned to “Shares Outstanding” changes every time when the page is reloaded.</a:t>
             </a:r>
           </a:p>
           <a:p>
@@ -8364,8 +8895,37 @@
             </a:pPr>
             <a:r>
               <a:rPr lang="en-US" sz="2400" dirty="0"/>
-              <a:t>The first model only had 50% accuracy on trend prediction. (It’s like flipping a coin, literally.)</a:t>
-            </a:r>
+              <a:t>The first stock forecast prediction model only had 50% accuracy on trend prediction. (It’s like flipping a coin, literally.)</a:t>
+            </a:r>
+          </a:p>
+        </p:txBody>
+      </p:sp>
+      <p:sp>
+        <p:nvSpPr>
+          <p:cNvPr id="2" name="Slide Number Placeholder 1">
+            <a:extLst>
+              <a:ext uri="{FF2B5EF4-FFF2-40B4-BE49-F238E27FC236}">
+                <a16:creationId xmlns:a16="http://schemas.microsoft.com/office/drawing/2014/main" id="{05D36153-A7EE-4A1A-8989-FE70019532B9}"/>
+              </a:ext>
+            </a:extLst>
+          </p:cNvPr>
+          <p:cNvSpPr>
+            <a:spLocks noGrp="1"/>
+          </p:cNvSpPr>
+          <p:nvPr>
+            <p:ph type="sldNum" sz="quarter" idx="12"/>
+          </p:nvPr>
+        </p:nvSpPr>
+        <p:spPr/>
+        <p:txBody>
+          <a:bodyPr/>
+          <a:lstStyle/>
+          <a:p>
+            <a:fld id="{7BD55884-F127-43C1-81EF-373BE9C65948}" type="slidenum">
+              <a:rPr lang="en-US" smtClean="0"/>
+              <a:t>7</a:t>
+            </a:fld>
+            <a:endParaRPr lang="en-US"/>
           </a:p>
         </p:txBody>
       </p:sp>
@@ -8409,43 +8969,264 @@
       </p:grpSpPr>
       <p:sp>
         <p:nvSpPr>
-          <p:cNvPr id="2" name="Rectangle 1">
-            <a:hlinkClick r:id="rId2"/>
-            <a:extLst>
-              <a:ext uri="{FF2B5EF4-FFF2-40B4-BE49-F238E27FC236}">
-                <a16:creationId xmlns:a16="http://schemas.microsoft.com/office/drawing/2014/main" id="{831961F3-3C45-46C7-9095-430272198870}"/>
-              </a:ext>
-            </a:extLst>
-          </p:cNvPr>
-          <p:cNvSpPr/>
+          <p:cNvPr id="7" name="Title 1">
+            <a:extLst>
+              <a:ext uri="{FF2B5EF4-FFF2-40B4-BE49-F238E27FC236}">
+                <a16:creationId xmlns:a16="http://schemas.microsoft.com/office/drawing/2014/main" id="{8A1C19E4-D9C6-4F3E-93E8-353DAE9B5200}"/>
+              </a:ext>
+            </a:extLst>
+          </p:cNvPr>
+          <p:cNvSpPr txBox="1">
+            <a:spLocks/>
+          </p:cNvSpPr>
           <p:nvPr/>
         </p:nvSpPr>
         <p:spPr>
           <a:xfrm>
-            <a:off x="1002891" y="1091381"/>
-            <a:ext cx="9792928" cy="461665"/>
+            <a:off x="833002" y="365125"/>
+            <a:ext cx="10884592" cy="807372"/>
           </a:xfrm>
           <a:prstGeom prst="rect">
             <a:avLst/>
           </a:prstGeom>
         </p:spPr>
         <p:txBody>
+          <a:bodyPr>
+            <a:normAutofit/>
+          </a:bodyPr>
+          <a:lstStyle>
+            <a:lvl1pPr algn="l" defTabSz="914400" rtl="0" eaLnBrk="1" latinLnBrk="0" hangingPunct="1">
+              <a:lnSpc>
+                <a:spcPct val="90000"/>
+              </a:lnSpc>
+              <a:spcBef>
+                <a:spcPct val="0"/>
+              </a:spcBef>
+              <a:buNone/>
+              <a:defRPr sz="4400" kern="1200">
+                <a:solidFill>
+                  <a:schemeClr val="tx1"/>
+                </a:solidFill>
+                <a:latin typeface="+mj-lt"/>
+                <a:ea typeface="+mj-ea"/>
+                <a:cs typeface="+mj-cs"/>
+              </a:defRPr>
+            </a:lvl1pPr>
+          </a:lstStyle>
+          <a:p>
+            <a:r>
+              <a:rPr lang="en-US" sz="3200" b="1" dirty="0">
+                <a:solidFill>
+                  <a:srgbClr val="FFFFFF"/>
+                </a:solidFill>
+              </a:rPr>
+              <a:t>J’s Finance Explorer – Things I have been asked</a:t>
+            </a:r>
+          </a:p>
+        </p:txBody>
+      </p:sp>
+      <p:sp>
+        <p:nvSpPr>
+          <p:cNvPr id="3" name="Rectangle 2">
+            <a:extLst>
+              <a:ext uri="{FF2B5EF4-FFF2-40B4-BE49-F238E27FC236}">
+                <a16:creationId xmlns:a16="http://schemas.microsoft.com/office/drawing/2014/main" id="{CA46B81F-6922-490C-AC1F-9A789436E4E5}"/>
+              </a:ext>
+            </a:extLst>
+          </p:cNvPr>
+          <p:cNvSpPr/>
+          <p:nvPr/>
+        </p:nvSpPr>
+        <p:spPr>
+          <a:xfrm>
+            <a:off x="833002" y="1308142"/>
+            <a:ext cx="10825599" cy="5122941"/>
+          </a:xfrm>
+          <a:prstGeom prst="rect">
+            <a:avLst/>
+          </a:prstGeom>
+        </p:spPr>
+        <p:txBody>
           <a:bodyPr wrap="square">
             <a:spAutoFit/>
           </a:bodyPr>
           <a:lstStyle/>
           <a:p>
-            <a:r>
-              <a:rPr lang="en-US" sz="2400" dirty="0"/>
-              <a:t>J’s Finance Explorer Draft Version: Click  the link</a:t>
-            </a:r>
+            <a:pPr>
+              <a:lnSpc>
+                <a:spcPct val="150000"/>
+              </a:lnSpc>
+            </a:pPr>
+            <a:r>
+              <a:rPr lang="en-US" sz="2000" b="1" dirty="0">
+                <a:solidFill>
+                  <a:srgbClr val="FFC000"/>
+                </a:solidFill>
+              </a:rPr>
+              <a:t>Q: </a:t>
+            </a:r>
+            <a:r>
+              <a:rPr lang="en-US" sz="2000" dirty="0"/>
+              <a:t>Stock price prediction is not something new, and besides you cannot even compete against those apps designed by Google and Yahoo. </a:t>
+            </a:r>
+          </a:p>
+          <a:p>
+            <a:pPr>
+              <a:lnSpc>
+                <a:spcPct val="150000"/>
+              </a:lnSpc>
+            </a:pPr>
+            <a:r>
+              <a:rPr lang="en-US" sz="2000" b="1" dirty="0">
+                <a:solidFill>
+                  <a:schemeClr val="accent6"/>
+                </a:solidFill>
+              </a:rPr>
+              <a:t>A: </a:t>
+            </a:r>
+            <a:r>
+              <a:rPr lang="en-US" sz="2000" dirty="0"/>
+              <a:t>I think this topic is really suitable for python beginners and those who want to learn how to do analysis on time-series data. In addition, imputing missing data would take a lot time and efforts because It is not reasonable to just insert mean, median or zero into those N/A cells.</a:t>
+            </a:r>
+          </a:p>
+          <a:p>
+            <a:pPr>
+              <a:lnSpc>
+                <a:spcPct val="150000"/>
+              </a:lnSpc>
+            </a:pPr>
+            <a:endParaRPr lang="en-US" sz="2000" dirty="0"/>
+          </a:p>
+          <a:p>
+            <a:pPr>
+              <a:lnSpc>
+                <a:spcPct val="150000"/>
+              </a:lnSpc>
+            </a:pPr>
+            <a:r>
+              <a:rPr lang="en-US" sz="2000" b="1" dirty="0">
+                <a:solidFill>
+                  <a:srgbClr val="FFC000"/>
+                </a:solidFill>
+              </a:rPr>
+              <a:t>Q: </a:t>
+            </a:r>
+            <a:r>
+              <a:rPr lang="en-US" sz="2000" dirty="0"/>
+              <a:t>Have you consider adding NLP to analyze news, which would help improve the model accuracy?</a:t>
+            </a:r>
+          </a:p>
+          <a:p>
+            <a:pPr>
+              <a:lnSpc>
+                <a:spcPct val="150000"/>
+              </a:lnSpc>
+            </a:pPr>
+            <a:r>
+              <a:rPr lang="en-US" sz="2000" b="1" dirty="0">
+                <a:solidFill>
+                  <a:srgbClr val="92D050"/>
+                </a:solidFill>
+              </a:rPr>
+              <a:t>A:  </a:t>
+            </a:r>
+            <a:r>
+              <a:rPr lang="en-US" sz="2000" dirty="0"/>
+              <a:t>Brilliant idea</a:t>
+            </a:r>
+          </a:p>
+          <a:p>
+            <a:pPr>
+              <a:lnSpc>
+                <a:spcPct val="150000"/>
+              </a:lnSpc>
+            </a:pPr>
+            <a:endParaRPr lang="en-US" sz="2000" b="1" dirty="0">
+              <a:solidFill>
+                <a:srgbClr val="92D050"/>
+              </a:solidFill>
+            </a:endParaRPr>
+          </a:p>
+          <a:p>
+            <a:pPr>
+              <a:lnSpc>
+                <a:spcPct val="150000"/>
+              </a:lnSpc>
+            </a:pPr>
+            <a:r>
+              <a:rPr lang="en-US" sz="2000" b="1" dirty="0">
+                <a:solidFill>
+                  <a:srgbClr val="FFC000"/>
+                </a:solidFill>
+              </a:rPr>
+              <a:t>Q: </a:t>
+            </a:r>
+            <a:r>
+              <a:rPr lang="en-US" sz="2000" dirty="0"/>
+              <a:t>Kaggle is a great platform for data science, which allows you share you work with others.</a:t>
+            </a:r>
+          </a:p>
+          <a:p>
+            <a:pPr>
+              <a:lnSpc>
+                <a:spcPct val="150000"/>
+              </a:lnSpc>
+            </a:pPr>
+            <a:r>
+              <a:rPr lang="en-US" sz="2000" b="1" dirty="0">
+                <a:solidFill>
+                  <a:srgbClr val="92D050"/>
+                </a:solidFill>
+              </a:rPr>
+              <a:t>A: </a:t>
+            </a:r>
+            <a:r>
+              <a:rPr lang="en-US" sz="2000" dirty="0"/>
+              <a:t>Yes Kaggle is a nice platform and GitHub is a good place too. </a:t>
+            </a:r>
+            <a:r>
+              <a:rPr lang="en-US" sz="2000" dirty="0">
+                <a:hlinkClick r:id="rId2"/>
+              </a:rPr>
+              <a:t>GitHub</a:t>
+            </a:r>
+            <a:endParaRPr lang="en-US" sz="2000" dirty="0"/>
+          </a:p>
+        </p:txBody>
+      </p:sp>
+      <p:sp>
+        <p:nvSpPr>
+          <p:cNvPr id="2" name="Slide Number Placeholder 1">
+            <a:extLst>
+              <a:ext uri="{FF2B5EF4-FFF2-40B4-BE49-F238E27FC236}">
+                <a16:creationId xmlns:a16="http://schemas.microsoft.com/office/drawing/2014/main" id="{DA32E6DE-AD59-4606-98C7-62773969045A}"/>
+              </a:ext>
+            </a:extLst>
+          </p:cNvPr>
+          <p:cNvSpPr>
+            <a:spLocks noGrp="1"/>
+          </p:cNvSpPr>
+          <p:nvPr>
+            <p:ph type="sldNum" sz="quarter" idx="12"/>
+          </p:nvPr>
+        </p:nvSpPr>
+        <p:spPr/>
+        <p:txBody>
+          <a:bodyPr/>
+          <a:lstStyle/>
+          <a:p>
+            <a:fld id="{7BD55884-F127-43C1-81EF-373BE9C65948}" type="slidenum">
+              <a:rPr lang="en-US" smtClean="0"/>
+              <a:t>8</a:t>
+            </a:fld>
+            <a:endParaRPr lang="en-US"/>
           </a:p>
         </p:txBody>
       </p:sp>
     </p:spTree>
     <p:extLst>
       <p:ext uri="{BB962C8B-B14F-4D97-AF65-F5344CB8AC3E}">
-        <p14:creationId xmlns:p14="http://schemas.microsoft.com/office/powerpoint/2010/main" val="3378032839"/>
+        <p14:creationId xmlns:p14="http://schemas.microsoft.com/office/powerpoint/2010/main" val="1803205701"/>
       </p:ext>
     </p:extLst>
   </p:cSld>
@@ -8748,4 +9529,299 @@
     </a:ext>
   </a:extLst>
 </a:theme>
+</file>
+
+<file path=ppt/theme/theme2.xml><?xml version="1.0" encoding="utf-8"?>
+<a:theme xmlns:a="http://schemas.openxmlformats.org/drawingml/2006/main" name="Office Theme">
+  <a:themeElements>
+    <a:clrScheme name="Office">
+      <a:dk1>
+        <a:sysClr val="windowText" lastClr="000000"/>
+      </a:dk1>
+      <a:lt1>
+        <a:sysClr val="window" lastClr="FFFFFF"/>
+      </a:lt1>
+      <a:dk2>
+        <a:srgbClr val="44546A"/>
+      </a:dk2>
+      <a:lt2>
+        <a:srgbClr val="E7E6E6"/>
+      </a:lt2>
+      <a:accent1>
+        <a:srgbClr val="4472C4"/>
+      </a:accent1>
+      <a:accent2>
+        <a:srgbClr val="ED7D31"/>
+      </a:accent2>
+      <a:accent3>
+        <a:srgbClr val="A5A5A5"/>
+      </a:accent3>
+      <a:accent4>
+        <a:srgbClr val="FFC000"/>
+      </a:accent4>
+      <a:accent5>
+        <a:srgbClr val="5B9BD5"/>
+      </a:accent5>
+      <a:accent6>
+        <a:srgbClr val="70AD47"/>
+      </a:accent6>
+      <a:hlink>
+        <a:srgbClr val="0563C1"/>
+      </a:hlink>
+      <a:folHlink>
+        <a:srgbClr val="954F72"/>
+      </a:folHlink>
+    </a:clrScheme>
+    <a:fontScheme name="Office">
+      <a:majorFont>
+        <a:latin typeface="Calibri Light" panose="020F0302020204030204"/>
+        <a:ea typeface=""/>
+        <a:cs typeface=""/>
+        <a:font script="Jpan" typeface="游ゴシック Light"/>
+        <a:font script="Hang" typeface="맑은 고딕"/>
+        <a:font script="Hans" typeface="等线 Light"/>
+        <a:font script="Hant" typeface="新細明體"/>
+        <a:font script="Arab" typeface="Times New Roman"/>
+        <a:font script="Hebr" typeface="Times New Roman"/>
+        <a:font script="Thai" typeface="Angsana New"/>
+        <a:font script="Ethi" typeface="Nyala"/>
+        <a:font script="Beng" typeface="Vrinda"/>
+        <a:font script="Gujr" typeface="Shruti"/>
+        <a:font script="Khmr" typeface="MoolBoran"/>
+        <a:font script="Knda" typeface="Tunga"/>
+        <a:font script="Guru" typeface="Raavi"/>
+        <a:font script="Cans" typeface="Euphemia"/>
+        <a:font script="Cher" typeface="Plantagenet Cherokee"/>
+        <a:font script="Yiii" typeface="Microsoft Yi Baiti"/>
+        <a:font script="Tibt" typeface="Microsoft Himalaya"/>
+        <a:font script="Thaa" typeface="MV Boli"/>
+        <a:font script="Deva" typeface="Mangal"/>
+        <a:font script="Telu" typeface="Gautami"/>
+        <a:font script="Taml" typeface="Latha"/>
+        <a:font script="Syrc" typeface="Estrangelo Edessa"/>
+        <a:font script="Orya" typeface="Kalinga"/>
+        <a:font script="Mlym" typeface="Kartika"/>
+        <a:font script="Laoo" typeface="DokChampa"/>
+        <a:font script="Sinh" typeface="Iskoola Pota"/>
+        <a:font script="Mong" typeface="Mongolian Baiti"/>
+        <a:font script="Viet" typeface="Times New Roman"/>
+        <a:font script="Uigh" typeface="Microsoft Uighur"/>
+        <a:font script="Geor" typeface="Sylfaen"/>
+        <a:font script="Armn" typeface="Arial"/>
+        <a:font script="Bugi" typeface="Leelawadee UI"/>
+        <a:font script="Bopo" typeface="Microsoft JhengHei"/>
+        <a:font script="Java" typeface="Javanese Text"/>
+        <a:font script="Lisu" typeface="Segoe UI"/>
+        <a:font script="Mymr" typeface="Myanmar Text"/>
+        <a:font script="Nkoo" typeface="Ebrima"/>
+        <a:font script="Olck" typeface="Nirmala UI"/>
+        <a:font script="Osma" typeface="Ebrima"/>
+        <a:font script="Phag" typeface="Phagspa"/>
+        <a:font script="Syrn" typeface="Estrangelo Edessa"/>
+        <a:font script="Syrj" typeface="Estrangelo Edessa"/>
+        <a:font script="Syre" typeface="Estrangelo Edessa"/>
+        <a:font script="Sora" typeface="Nirmala UI"/>
+        <a:font script="Tale" typeface="Microsoft Tai Le"/>
+        <a:font script="Talu" typeface="Microsoft New Tai Lue"/>
+        <a:font script="Tfng" typeface="Ebrima"/>
+      </a:majorFont>
+      <a:minorFont>
+        <a:latin typeface="Calibri" panose="020F0502020204030204"/>
+        <a:ea typeface=""/>
+        <a:cs typeface=""/>
+        <a:font script="Jpan" typeface="游ゴシック"/>
+        <a:font script="Hang" typeface="맑은 고딕"/>
+        <a:font script="Hans" typeface="等线"/>
+        <a:font script="Hant" typeface="新細明體"/>
+        <a:font script="Arab" typeface="Arial"/>
+        <a:font script="Hebr" typeface="Arial"/>
+        <a:font script="Thai" typeface="Cordia New"/>
+        <a:font script="Ethi" typeface="Nyala"/>
+        <a:font script="Beng" typeface="Vrinda"/>
+        <a:font script="Gujr" typeface="Shruti"/>
+        <a:font script="Khmr" typeface="DaunPenh"/>
+        <a:font script="Knda" typeface="Tunga"/>
+        <a:font script="Guru" typeface="Raavi"/>
+        <a:font script="Cans" typeface="Euphemia"/>
+        <a:font script="Cher" typeface="Plantagenet Cherokee"/>
+        <a:font script="Yiii" typeface="Microsoft Yi Baiti"/>
+        <a:font script="Tibt" typeface="Microsoft Himalaya"/>
+        <a:font script="Thaa" typeface="MV Boli"/>
+        <a:font script="Deva" typeface="Mangal"/>
+        <a:font script="Telu" typeface="Gautami"/>
+        <a:font script="Taml" typeface="Latha"/>
+        <a:font script="Syrc" typeface="Estrangelo Edessa"/>
+        <a:font script="Orya" typeface="Kalinga"/>
+        <a:font script="Mlym" typeface="Kartika"/>
+        <a:font script="Laoo" typeface="DokChampa"/>
+        <a:font script="Sinh" typeface="Iskoola Pota"/>
+        <a:font script="Mong" typeface="Mongolian Baiti"/>
+        <a:font script="Viet" typeface="Arial"/>
+        <a:font script="Uigh" typeface="Microsoft Uighur"/>
+        <a:font script="Geor" typeface="Sylfaen"/>
+        <a:font script="Armn" typeface="Arial"/>
+        <a:font script="Bugi" typeface="Leelawadee UI"/>
+        <a:font script="Bopo" typeface="Microsoft JhengHei"/>
+        <a:font script="Java" typeface="Javanese Text"/>
+        <a:font script="Lisu" typeface="Segoe UI"/>
+        <a:font script="Mymr" typeface="Myanmar Text"/>
+        <a:font script="Nkoo" typeface="Ebrima"/>
+        <a:font script="Olck" typeface="Nirmala UI"/>
+        <a:font script="Osma" typeface="Ebrima"/>
+        <a:font script="Phag" typeface="Phagspa"/>
+        <a:font script="Syrn" typeface="Estrangelo Edessa"/>
+        <a:font script="Syrj" typeface="Estrangelo Edessa"/>
+        <a:font script="Syre" typeface="Estrangelo Edessa"/>
+        <a:font script="Sora" typeface="Nirmala UI"/>
+        <a:font script="Tale" typeface="Microsoft Tai Le"/>
+        <a:font script="Talu" typeface="Microsoft New Tai Lue"/>
+        <a:font script="Tfng" typeface="Ebrima"/>
+      </a:minorFont>
+    </a:fontScheme>
+    <a:fmtScheme name="Office">
+      <a:fillStyleLst>
+        <a:solidFill>
+          <a:schemeClr val="phClr"/>
+        </a:solidFill>
+        <a:gradFill rotWithShape="1">
+          <a:gsLst>
+            <a:gs pos="0">
+              <a:schemeClr val="phClr">
+                <a:lumMod val="110000"/>
+                <a:satMod val="105000"/>
+                <a:tint val="67000"/>
+              </a:schemeClr>
+            </a:gs>
+            <a:gs pos="50000">
+              <a:schemeClr val="phClr">
+                <a:lumMod val="105000"/>
+                <a:satMod val="103000"/>
+                <a:tint val="73000"/>
+              </a:schemeClr>
+            </a:gs>
+            <a:gs pos="100000">
+              <a:schemeClr val="phClr">
+                <a:lumMod val="105000"/>
+                <a:satMod val="109000"/>
+                <a:tint val="81000"/>
+              </a:schemeClr>
+            </a:gs>
+          </a:gsLst>
+          <a:lin ang="5400000" scaled="0"/>
+        </a:gradFill>
+        <a:gradFill rotWithShape="1">
+          <a:gsLst>
+            <a:gs pos="0">
+              <a:schemeClr val="phClr">
+                <a:satMod val="103000"/>
+                <a:lumMod val="102000"/>
+                <a:tint val="94000"/>
+              </a:schemeClr>
+            </a:gs>
+            <a:gs pos="50000">
+              <a:schemeClr val="phClr">
+                <a:satMod val="110000"/>
+                <a:lumMod val="100000"/>
+                <a:shade val="100000"/>
+              </a:schemeClr>
+            </a:gs>
+            <a:gs pos="100000">
+              <a:schemeClr val="phClr">
+                <a:lumMod val="99000"/>
+                <a:satMod val="120000"/>
+                <a:shade val="78000"/>
+              </a:schemeClr>
+            </a:gs>
+          </a:gsLst>
+          <a:lin ang="5400000" scaled="0"/>
+        </a:gradFill>
+      </a:fillStyleLst>
+      <a:lnStyleLst>
+        <a:ln w="6350" cap="flat" cmpd="sng" algn="ctr">
+          <a:solidFill>
+            <a:schemeClr val="phClr"/>
+          </a:solidFill>
+          <a:prstDash val="solid"/>
+          <a:miter lim="800000"/>
+        </a:ln>
+        <a:ln w="12700" cap="flat" cmpd="sng" algn="ctr">
+          <a:solidFill>
+            <a:schemeClr val="phClr"/>
+          </a:solidFill>
+          <a:prstDash val="solid"/>
+          <a:miter lim="800000"/>
+        </a:ln>
+        <a:ln w="19050" cap="flat" cmpd="sng" algn="ctr">
+          <a:solidFill>
+            <a:schemeClr val="phClr"/>
+          </a:solidFill>
+          <a:prstDash val="solid"/>
+          <a:miter lim="800000"/>
+        </a:ln>
+      </a:lnStyleLst>
+      <a:effectStyleLst>
+        <a:effectStyle>
+          <a:effectLst/>
+        </a:effectStyle>
+        <a:effectStyle>
+          <a:effectLst/>
+        </a:effectStyle>
+        <a:effectStyle>
+          <a:effectLst>
+            <a:outerShdw blurRad="57150" dist="19050" dir="5400000" algn="ctr" rotWithShape="0">
+              <a:srgbClr val="000000">
+                <a:alpha val="63000"/>
+              </a:srgbClr>
+            </a:outerShdw>
+          </a:effectLst>
+        </a:effectStyle>
+      </a:effectStyleLst>
+      <a:bgFillStyleLst>
+        <a:solidFill>
+          <a:schemeClr val="phClr"/>
+        </a:solidFill>
+        <a:solidFill>
+          <a:schemeClr val="phClr">
+            <a:tint val="95000"/>
+            <a:satMod val="170000"/>
+          </a:schemeClr>
+        </a:solidFill>
+        <a:gradFill rotWithShape="1">
+          <a:gsLst>
+            <a:gs pos="0">
+              <a:schemeClr val="phClr">
+                <a:tint val="93000"/>
+                <a:satMod val="150000"/>
+                <a:shade val="98000"/>
+                <a:lumMod val="102000"/>
+              </a:schemeClr>
+            </a:gs>
+            <a:gs pos="50000">
+              <a:schemeClr val="phClr">
+                <a:tint val="98000"/>
+                <a:satMod val="130000"/>
+                <a:shade val="90000"/>
+                <a:lumMod val="103000"/>
+              </a:schemeClr>
+            </a:gs>
+            <a:gs pos="100000">
+              <a:schemeClr val="phClr">
+                <a:shade val="63000"/>
+                <a:satMod val="120000"/>
+              </a:schemeClr>
+            </a:gs>
+          </a:gsLst>
+          <a:lin ang="5400000" scaled="0"/>
+        </a:gradFill>
+      </a:bgFillStyleLst>
+    </a:fmtScheme>
+  </a:themeElements>
+  <a:objectDefaults/>
+  <a:extraClrSchemeLst/>
+  <a:extLst>
+    <a:ext uri="{05A4C25C-085E-4340-85A3-A5531E510DB2}">
+      <thm15:themeFamily xmlns:thm15="http://schemas.microsoft.com/office/thememl/2012/main" name="Office Theme" id="{62F939B6-93AF-4DB8-9C6B-D6C7DFDC589F}" vid="{4A3C46E8-61CC-4603-A589-7422A47A8E4A}"/>
+    </a:ext>
+  </a:extLst>
+</a:theme>
 </file>
--- a/Final_Project_Jupyter/5-min Slides.pptx
+++ b/Final_Project_Jupyter/5-min Slides.pptx
@@ -204,7 +204,7 @@
           <a:p>
             <a:fld id="{D734E050-08D4-4AF2-BD09-C5CA11F2AD65}" type="datetimeFigureOut">
               <a:rPr lang="en-US" smtClean="0"/>
-              <a:t>5/2/2018</a:t>
+              <a:t>5/3/2018</a:t>
             </a:fld>
             <a:endParaRPr lang="en-US"/>
           </a:p>
@@ -618,7 +618,7 @@
           <a:p>
             <a:fld id="{1EFAE40D-CC16-45DE-8F17-730BA2C5B91F}" type="datetime1">
               <a:rPr lang="en-US" smtClean="0"/>
-              <a:t>5/2/2018</a:t>
+              <a:t>5/3/2018</a:t>
             </a:fld>
             <a:endParaRPr lang="en-US"/>
           </a:p>
@@ -816,7 +816,7 @@
           <a:p>
             <a:fld id="{80373006-19C0-40AB-A8F6-49F18451B5AC}" type="datetime1">
               <a:rPr lang="en-US" smtClean="0"/>
-              <a:t>5/2/2018</a:t>
+              <a:t>5/3/2018</a:t>
             </a:fld>
             <a:endParaRPr lang="en-US"/>
           </a:p>
@@ -1024,7 +1024,7 @@
           <a:p>
             <a:fld id="{52266C67-5662-4E02-AE41-24D8FAFA458E}" type="datetime1">
               <a:rPr lang="en-US" smtClean="0"/>
-              <a:t>5/2/2018</a:t>
+              <a:t>5/3/2018</a:t>
             </a:fld>
             <a:endParaRPr lang="en-US"/>
           </a:p>
@@ -1222,7 +1222,7 @@
           <a:p>
             <a:fld id="{1C614BFF-D751-4D23-96B9-CACB83461C52}" type="datetime1">
               <a:rPr lang="en-US" smtClean="0"/>
-              <a:t>5/2/2018</a:t>
+              <a:t>5/3/2018</a:t>
             </a:fld>
             <a:endParaRPr lang="en-US"/>
           </a:p>
@@ -1497,7 +1497,7 @@
           <a:p>
             <a:fld id="{B60E25A5-F3A3-4F1F-B27F-92A1470B3A44}" type="datetime1">
               <a:rPr lang="en-US" smtClean="0"/>
-              <a:t>5/2/2018</a:t>
+              <a:t>5/3/2018</a:t>
             </a:fld>
             <a:endParaRPr lang="en-US"/>
           </a:p>
@@ -1762,7 +1762,7 @@
           <a:p>
             <a:fld id="{E3FFADCD-7120-4F7E-AEA8-4959CD8F1BF0}" type="datetime1">
               <a:rPr lang="en-US" smtClean="0"/>
-              <a:t>5/2/2018</a:t>
+              <a:t>5/3/2018</a:t>
             </a:fld>
             <a:endParaRPr lang="en-US"/>
           </a:p>
@@ -2174,7 +2174,7 @@
           <a:p>
             <a:fld id="{BE9B63F9-4F30-44D0-AF3C-51EA07B8C093}" type="datetime1">
               <a:rPr lang="en-US" smtClean="0"/>
-              <a:t>5/2/2018</a:t>
+              <a:t>5/3/2018</a:t>
             </a:fld>
             <a:endParaRPr lang="en-US"/>
           </a:p>
@@ -2315,7 +2315,7 @@
           <a:p>
             <a:fld id="{DA0D2D25-3726-495A-8A88-4C3622F5F750}" type="datetime1">
               <a:rPr lang="en-US" smtClean="0"/>
-              <a:t>5/2/2018</a:t>
+              <a:t>5/3/2018</a:t>
             </a:fld>
             <a:endParaRPr lang="en-US"/>
           </a:p>
@@ -2428,7 +2428,7 @@
           <a:p>
             <a:fld id="{395DFD89-45FA-4A60-A65C-D60266A5F1BE}" type="datetime1">
               <a:rPr lang="en-US" smtClean="0"/>
-              <a:t>5/2/2018</a:t>
+              <a:t>5/3/2018</a:t>
             </a:fld>
             <a:endParaRPr lang="en-US"/>
           </a:p>
@@ -2739,7 +2739,7 @@
           <a:p>
             <a:fld id="{E027E96B-94D8-4866-B0AD-6D9E2D6DC27F}" type="datetime1">
               <a:rPr lang="en-US" smtClean="0"/>
-              <a:t>5/2/2018</a:t>
+              <a:t>5/3/2018</a:t>
             </a:fld>
             <a:endParaRPr lang="en-US"/>
           </a:p>
@@ -3027,7 +3027,7 @@
           <a:p>
             <a:fld id="{CAEEC95D-0794-4682-A422-BA5589FBF5F9}" type="datetime1">
               <a:rPr lang="en-US" smtClean="0"/>
-              <a:t>5/2/2018</a:t>
+              <a:t>5/3/2018</a:t>
             </a:fld>
             <a:endParaRPr lang="en-US"/>
           </a:p>
@@ -3268,7 +3268,7 @@
           <a:p>
             <a:fld id="{5CA1761F-E11B-41FE-807E-C555EC0FF5B4}" type="datetime1">
               <a:rPr lang="en-US" smtClean="0"/>
-              <a:t>5/2/2018</a:t>
+              <a:t>5/3/2018</a:t>
             </a:fld>
             <a:endParaRPr lang="en-US"/>
           </a:p>
@@ -8835,7 +8835,7 @@
         <p:spPr>
           <a:xfrm>
             <a:off x="887361" y="1367136"/>
-            <a:ext cx="10266058" cy="4247317"/>
+            <a:ext cx="10266058" cy="4385816"/>
           </a:xfrm>
           <a:prstGeom prst="rect">
             <a:avLst/>
@@ -8856,12 +8856,9 @@
             </a:pPr>
             <a:r>
               <a:rPr lang="en-US" sz="2400" dirty="0"/>
-              <a:t>I was once unable to access google finance data for a few hours right after first data access. </a:t>
-            </a:r>
-            <a:r>
-              <a:rPr lang="en-US" dirty="0"/>
-              <a:t>Symptoms: requested 1576800 data entries [success] -&gt; requested again in like 15s [failed] -&gt; requested again [failed] -&gt; 24 hours later -&gt; requested 1000 data [success]</a:t>
-            </a:r>
+              <a:t>You may encounter a SSL bad handshake error. I have tried to address this in many different ways such as setting SSL verify to false, but Here is the best one: reboot your laptop/pc and run app.py again   </a:t>
+            </a:r>
+            <a:endParaRPr lang="en-US" dirty="0"/>
           </a:p>
           <a:p>
             <a:pPr lvl="1">
@@ -8929,6 +8926,45 @@
           </a:p>
         </p:txBody>
       </p:sp>
+      <p:pic>
+        <p:nvPicPr>
+          <p:cNvPr id="5" name="Graphic 4" descr="Winking Face with No Fill">
+            <a:extLst>
+              <a:ext uri="{FF2B5EF4-FFF2-40B4-BE49-F238E27FC236}">
+                <a16:creationId xmlns:a16="http://schemas.microsoft.com/office/drawing/2014/main" id="{430A65CC-359E-49F1-B0A5-543AE92FF8B2}"/>
+              </a:ext>
+            </a:extLst>
+          </p:cNvPr>
+          <p:cNvPicPr>
+            <a:picLocks noChangeAspect="1"/>
+          </p:cNvPicPr>
+          <p:nvPr/>
+        </p:nvPicPr>
+        <p:blipFill>
+          <a:blip r:embed="rId2">
+            <a:extLst>
+              <a:ext uri="{28A0092B-C50C-407E-A947-70E740481C1C}">
+                <a14:useLocalDpi xmlns:a14="http://schemas.microsoft.com/office/drawing/2010/main" val="0"/>
+              </a:ext>
+              <a:ext uri="{96DAC541-7B7A-43D3-8B79-37D633B846F1}">
+                <asvg:svgBlip xmlns:asvg="http://schemas.microsoft.com/office/drawing/2016/SVG/main" r:embed="rId3"/>
+              </a:ext>
+            </a:extLst>
+          </a:blip>
+          <a:stretch>
+            <a:fillRect/>
+          </a:stretch>
+        </p:blipFill>
+        <p:spPr>
+          <a:xfrm>
+            <a:off x="7533968" y="2603092"/>
+            <a:ext cx="442452" cy="442452"/>
+          </a:xfrm>
+          <a:prstGeom prst="rect">
+            <a:avLst/>
+          </a:prstGeom>
+        </p:spPr>
+      </p:pic>
     </p:spTree>
     <p:extLst>
       <p:ext uri="{BB962C8B-B14F-4D97-AF65-F5344CB8AC3E}">

--- a/Final_Project_Jupyter/5-min Slides.pptx
+++ b/Final_Project_Jupyter/5-min Slides.pptx
@@ -205,7 +205,7 @@
           <a:p>
             <a:fld id="{D734E050-08D4-4AF2-BD09-C5CA11F2AD65}" type="datetimeFigureOut">
               <a:rPr lang="en-US" smtClean="0"/>
-              <a:t>5/3/2018</a:t>
+              <a:t>5/4/2018</a:t>
             </a:fld>
             <a:endParaRPr lang="en-US"/>
           </a:p>
@@ -619,7 +619,7 @@
           <a:p>
             <a:fld id="{1EFAE40D-CC16-45DE-8F17-730BA2C5B91F}" type="datetime1">
               <a:rPr lang="en-US" smtClean="0"/>
-              <a:t>5/3/2018</a:t>
+              <a:t>5/4/2018</a:t>
             </a:fld>
             <a:endParaRPr lang="en-US"/>
           </a:p>
@@ -817,7 +817,7 @@
           <a:p>
             <a:fld id="{80373006-19C0-40AB-A8F6-49F18451B5AC}" type="datetime1">
               <a:rPr lang="en-US" smtClean="0"/>
-              <a:t>5/3/2018</a:t>
+              <a:t>5/4/2018</a:t>
             </a:fld>
             <a:endParaRPr lang="en-US"/>
           </a:p>
@@ -1025,7 +1025,7 @@
           <a:p>
             <a:fld id="{52266C67-5662-4E02-AE41-24D8FAFA458E}" type="datetime1">
               <a:rPr lang="en-US" smtClean="0"/>
-              <a:t>5/3/2018</a:t>
+              <a:t>5/4/2018</a:t>
             </a:fld>
             <a:endParaRPr lang="en-US"/>
           </a:p>
@@ -1223,7 +1223,7 @@
           <a:p>
             <a:fld id="{1C614BFF-D751-4D23-96B9-CACB83461C52}" type="datetime1">
               <a:rPr lang="en-US" smtClean="0"/>
-              <a:t>5/3/2018</a:t>
+              <a:t>5/4/2018</a:t>
             </a:fld>
             <a:endParaRPr lang="en-US"/>
           </a:p>
@@ -1498,7 +1498,7 @@
           <a:p>
             <a:fld id="{B60E25A5-F3A3-4F1F-B27F-92A1470B3A44}" type="datetime1">
               <a:rPr lang="en-US" smtClean="0"/>
-              <a:t>5/3/2018</a:t>
+              <a:t>5/4/2018</a:t>
             </a:fld>
             <a:endParaRPr lang="en-US"/>
           </a:p>
@@ -1763,7 +1763,7 @@
           <a:p>
             <a:fld id="{E3FFADCD-7120-4F7E-AEA8-4959CD8F1BF0}" type="datetime1">
               <a:rPr lang="en-US" smtClean="0"/>
-              <a:t>5/3/2018</a:t>
+              <a:t>5/4/2018</a:t>
             </a:fld>
             <a:endParaRPr lang="en-US"/>
           </a:p>
@@ -2175,7 +2175,7 @@
           <a:p>
             <a:fld id="{BE9B63F9-4F30-44D0-AF3C-51EA07B8C093}" type="datetime1">
               <a:rPr lang="en-US" smtClean="0"/>
-              <a:t>5/3/2018</a:t>
+              <a:t>5/4/2018</a:t>
             </a:fld>
             <a:endParaRPr lang="en-US"/>
           </a:p>
@@ -2316,7 +2316,7 @@
           <a:p>
             <a:fld id="{DA0D2D25-3726-495A-8A88-4C3622F5F750}" type="datetime1">
               <a:rPr lang="en-US" smtClean="0"/>
-              <a:t>5/3/2018</a:t>
+              <a:t>5/4/2018</a:t>
             </a:fld>
             <a:endParaRPr lang="en-US"/>
           </a:p>
@@ -2429,7 +2429,7 @@
           <a:p>
             <a:fld id="{395DFD89-45FA-4A60-A65C-D60266A5F1BE}" type="datetime1">
               <a:rPr lang="en-US" smtClean="0"/>
-              <a:t>5/3/2018</a:t>
+              <a:t>5/4/2018</a:t>
             </a:fld>
             <a:endParaRPr lang="en-US"/>
           </a:p>
@@ -2740,7 +2740,7 @@
           <a:p>
             <a:fld id="{E027E96B-94D8-4866-B0AD-6D9E2D6DC27F}" type="datetime1">
               <a:rPr lang="en-US" smtClean="0"/>
-              <a:t>5/3/2018</a:t>
+              <a:t>5/4/2018</a:t>
             </a:fld>
             <a:endParaRPr lang="en-US"/>
           </a:p>
@@ -3028,7 +3028,7 @@
           <a:p>
             <a:fld id="{CAEEC95D-0794-4682-A422-BA5589FBF5F9}" type="datetime1">
               <a:rPr lang="en-US" smtClean="0"/>
-              <a:t>5/3/2018</a:t>
+              <a:t>5/4/2018</a:t>
             </a:fld>
             <a:endParaRPr lang="en-US"/>
           </a:p>
@@ -3269,7 +3269,7 @@
           <a:p>
             <a:fld id="{5CA1761F-E11B-41FE-807E-C555EC0FF5B4}" type="datetime1">
               <a:rPr lang="en-US" smtClean="0"/>
-              <a:t>5/3/2018</a:t>
+              <a:t>5/4/2018</a:t>
             </a:fld>
             <a:endParaRPr lang="en-US"/>
           </a:p>
@@ -4818,7 +4818,7 @@
           <p:nvPr>
             <p:extLst>
               <p:ext uri="{D42A27DB-BD31-4B8C-83A1-F6EECF244321}">
-                <p14:modId xmlns:p14="http://schemas.microsoft.com/office/powerpoint/2010/main" val="3259541560"/>
+                <p14:modId xmlns:p14="http://schemas.microsoft.com/office/powerpoint/2010/main" val="1485286514"/>
               </p:ext>
             </p:extLst>
           </p:nvPr>
@@ -4903,6 +4903,16 @@
                         <a:buChar char="•"/>
                       </a:pPr>
                       <a:r>
+                        <a:rPr lang="en-US" sz="2000" dirty="0"/>
+                        <a:t>ARIMA</a:t>
+                      </a:r>
+                    </a:p>
+                    <a:p>
+                      <a:pPr marL="285750" indent="-285750">
+                        <a:buFont typeface="Arial" panose="020B0604020202020204" pitchFamily="34" charset="0"/>
+                        <a:buChar char="•"/>
+                      </a:pPr>
+                      <a:r>
                         <a:rPr lang="en-US" sz="2000" dirty="0" err="1"/>
                         <a:t>Scikit</a:t>
                       </a:r>
@@ -4917,13 +4927,10 @@
                         <a:buChar char="•"/>
                       </a:pPr>
                       <a:r>
-                        <a:rPr lang="en-US" sz="2000" dirty="0" err="1"/>
+                        <a:rPr lang="en-US" sz="2000"/>
                         <a:t>Statsmodels</a:t>
                       </a:r>
-                      <a:r>
-                        <a:rPr lang="en-US" sz="2000" dirty="0"/>
-                        <a:t> Module</a:t>
-                      </a:r>
+                      <a:endParaRPr lang="en-US" sz="2000" dirty="0"/>
                     </a:p>
                     <a:p>
                       <a:pPr marL="285750" indent="-285750">
@@ -4947,7 +4954,7 @@
                       </a:pPr>
                       <a:r>
                         <a:rPr lang="en-US" sz="2000" dirty="0"/>
-                        <a:t>Static Data</a:t>
+                        <a:t>Static Dataset</a:t>
                       </a:r>
                     </a:p>
                     <a:p>
@@ -5027,7 +5034,7 @@
                       </a:pPr>
                       <a:r>
                         <a:rPr lang="en-US" sz="2000" dirty="0"/>
-                        <a:t>Real-time Data</a:t>
+                        <a:t>Real-time Dataset</a:t>
                       </a:r>
                     </a:p>
                     <a:p>
@@ -8598,7 +8605,7 @@
             <a:pPr algn="ctr"/>
             <a:r>
               <a:rPr lang="en-US" dirty="0"/>
-              <a:t>(finannce.py)</a:t>
+              <a:t>(finance.py)</a:t>
             </a:r>
           </a:p>
         </p:txBody>
@@ -8920,7 +8927,7 @@
           <p:nvPr>
             <p:extLst>
               <p:ext uri="{D42A27DB-BD31-4B8C-83A1-F6EECF244321}">
-                <p14:modId xmlns:p14="http://schemas.microsoft.com/office/powerpoint/2010/main" val="1466884580"/>
+                <p14:modId xmlns:p14="http://schemas.microsoft.com/office/powerpoint/2010/main" val="2804999500"/>
               </p:ext>
             </p:extLst>
           </p:nvPr>
@@ -9371,7 +9378,7 @@
                             <a:schemeClr val="tx1"/>
                           </a:solidFill>
                         </a:rPr>
-                        <a:t>good</a:t>
+                        <a:t>Looks good</a:t>
                       </a:r>
                     </a:p>
                   </a:txBody>
@@ -9579,7 +9586,7 @@
             </a:pPr>
             <a:r>
               <a:rPr lang="en-US" sz="2400" dirty="0"/>
-              <a:t>The attribute “data-*” is dynamic in yahoo finance html file. The number (e.g. data-140, data-149) assigned to “Shares Outstanding” changes every time when the page is reloaded.</a:t>
+              <a:t>The attribute “data-*” is dynamic in yahoo finance html files. The number (e.g. data-140, data-149) assigned to “Shares Outstanding” changes every time when the page is reloaded.</a:t>
             </a:r>
           </a:p>
           <a:p>
@@ -9596,7 +9603,7 @@
             </a:pPr>
             <a:r>
               <a:rPr lang="en-US" sz="2400" dirty="0"/>
-              <a:t>The first stock forecast prediction model only had 50% accuracy on trend prediction. (It’s like flipping a coin, literally.)</a:t>
+              <a:t>The first version of stock forecast prediction model only had 50% accuracy on trend prediction. (It’s like flipping a coin, literally.)</a:t>
             </a:r>
           </a:p>
         </p:txBody>
@@ -9780,7 +9787,7 @@
         <p:spPr>
           <a:xfrm>
             <a:off x="833002" y="1308142"/>
-            <a:ext cx="10825599" cy="5122941"/>
+            <a:ext cx="10825599" cy="4661276"/>
           </a:xfrm>
           <a:prstGeom prst="rect">
             <a:avLst/>
@@ -9826,16 +9833,8 @@
             </a:r>
             <a:r>
               <a:rPr lang="en-US" sz="2000" dirty="0"/>
-              <a:t>I think this topic is really suitable for python beginners and those who want to learn how to do analysis on time-series data. In addition, imputing missing data would take considerable time and efforts because It is not reasonable to just insert mean, median or zero into those N/A cells.</a:t>
-            </a:r>
-          </a:p>
-          <a:p>
-            <a:pPr>
-              <a:lnSpc>
-                <a:spcPct val="150000"/>
-              </a:lnSpc>
-            </a:pPr>
-            <a:endParaRPr lang="en-US" sz="2000" dirty="0"/>
+              <a:t>I think this topic is really suitable for python beginners and those who want to learn how to do analysis on time-series data. In addition, imputing missing data would take considerable time and efforts because It is not reasonable to just insert data with mean, median or zero into  N/A cells.</a:t>
+            </a:r>
           </a:p>
           <a:p>
             <a:pPr>
@@ -9853,7 +9852,7 @@
             </a:r>
             <a:r>
               <a:rPr lang="en-US" sz="2000" dirty="0"/>
-              <a:t>Have you consider adding NLP to analyze news, which would help improve the model accuracy?</a:t>
+              <a:t>Have you consider adding NLP to analyze stock news, which would help improve your model accuracy?</a:t>
             </a:r>
           </a:p>
           <a:p>
@@ -9872,15 +9871,8 @@
             </a:r>
             <a:r>
               <a:rPr lang="en-US" sz="2000" dirty="0"/>
-              <a:t>Brilliant idea</a:t>
-            </a:r>
-          </a:p>
-          <a:p>
-            <a:pPr>
-              <a:lnSpc>
-                <a:spcPct val="150000"/>
-              </a:lnSpc>
-            </a:pPr>
+              <a:t>Brilliant idea. I’d try to add this function in the near future.</a:t>
+            </a:r>
             <a:endParaRPr lang="en-US" sz="2000" b="1" dirty="0">
               <a:solidFill>
                 <a:srgbClr val="92D050"/>
@@ -9922,7 +9914,7 @@
             </a:r>
             <a:r>
               <a:rPr lang="en-US" sz="2000" dirty="0"/>
-              <a:t>Yes Kaggle is a nice platform and GitHub is a good place too. </a:t>
+              <a:t>Yes Kaggle is a nice platform and GitHub is also a good place for software developers. </a:t>
             </a:r>
             <a:r>
               <a:rPr lang="en-US" sz="2000" dirty="0">
